--- a/Capstone_design_week13_nam.pptx
+++ b/Capstone_design_week13_nam.pptx
@@ -9,6 +9,7 @@
     <p:sldId id="257" r:id="rId4"/>
     <p:sldId id="258" r:id="rId5"/>
     <p:sldId id="259" r:id="rId6"/>
+    <p:sldId id="260" r:id="rId7"/>
   </p:sldIdLst>
   <p:sldSz cx="10080625" cy="5670550"/>
   <p:notesSz cx="7559675" cy="10691812"/>
@@ -67,7 +68,7 @@
         <p:spPr>
           <a:xfrm>
             <a:off x="504000" y="226080"/>
-            <a:ext cx="9071280" cy="946080"/>
+            <a:ext cx="9070920" cy="945720"/>
           </a:xfrm>
           <a:prstGeom prst="rect">
             <a:avLst/>
@@ -96,7 +97,7 @@
         <p:spPr>
           <a:xfrm>
             <a:off x="504000" y="1326600"/>
-            <a:ext cx="9072000" cy="1568520"/>
+            <a:ext cx="9071640" cy="1568160"/>
           </a:xfrm>
           <a:prstGeom prst="rect">
             <a:avLst/>
@@ -125,8 +126,8 @@
         </p:nvSpPr>
         <p:spPr>
           <a:xfrm>
-            <a:off x="504000" y="3044520"/>
-            <a:ext cx="9072000" cy="1568520"/>
+            <a:off x="504000" y="3044160"/>
+            <a:ext cx="9071640" cy="1568160"/>
           </a:xfrm>
           <a:prstGeom prst="rect">
             <a:avLst/>
@@ -178,7 +179,7 @@
         <p:spPr>
           <a:xfrm>
             <a:off x="504000" y="226080"/>
-            <a:ext cx="9071280" cy="946080"/>
+            <a:ext cx="9070920" cy="945720"/>
           </a:xfrm>
           <a:prstGeom prst="rect">
             <a:avLst/>
@@ -207,7 +208,7 @@
         <p:spPr>
           <a:xfrm>
             <a:off x="504000" y="1326600"/>
-            <a:ext cx="4426920" cy="1568520"/>
+            <a:ext cx="4426920" cy="1568160"/>
           </a:xfrm>
           <a:prstGeom prst="rect">
             <a:avLst/>
@@ -237,7 +238,7 @@
         <p:spPr>
           <a:xfrm>
             <a:off x="5152680" y="1326600"/>
-            <a:ext cx="4426920" cy="1568520"/>
+            <a:ext cx="4426920" cy="1568160"/>
           </a:xfrm>
           <a:prstGeom prst="rect">
             <a:avLst/>
@@ -266,8 +267,8 @@
         </p:nvSpPr>
         <p:spPr>
           <a:xfrm>
-            <a:off x="504000" y="3044520"/>
-            <a:ext cx="4426920" cy="1568520"/>
+            <a:off x="504000" y="3044160"/>
+            <a:ext cx="4426920" cy="1568160"/>
           </a:xfrm>
           <a:prstGeom prst="rect">
             <a:avLst/>
@@ -296,8 +297,8 @@
         </p:nvSpPr>
         <p:spPr>
           <a:xfrm>
-            <a:off x="5152680" y="3044520"/>
-            <a:ext cx="4426920" cy="1568520"/>
+            <a:off x="5152680" y="3044160"/>
+            <a:ext cx="4426920" cy="1568160"/>
           </a:xfrm>
           <a:prstGeom prst="rect">
             <a:avLst/>
@@ -349,7 +350,7 @@
         <p:spPr>
           <a:xfrm>
             <a:off x="504000" y="226080"/>
-            <a:ext cx="9071280" cy="946080"/>
+            <a:ext cx="9070920" cy="945720"/>
           </a:xfrm>
           <a:prstGeom prst="rect">
             <a:avLst/>
@@ -378,7 +379,7 @@
         <p:spPr>
           <a:xfrm>
             <a:off x="504000" y="1326600"/>
-            <a:ext cx="2921040" cy="1568520"/>
+            <a:ext cx="2920680" cy="1568160"/>
           </a:xfrm>
           <a:prstGeom prst="rect">
             <a:avLst/>
@@ -407,8 +408,8 @@
         </p:nvSpPr>
         <p:spPr>
           <a:xfrm>
-            <a:off x="3571560" y="1326600"/>
-            <a:ext cx="2921040" cy="1568520"/>
+            <a:off x="3571200" y="1326600"/>
+            <a:ext cx="2920680" cy="1568160"/>
           </a:xfrm>
           <a:prstGeom prst="rect">
             <a:avLst/>
@@ -437,8 +438,8 @@
         </p:nvSpPr>
         <p:spPr>
           <a:xfrm>
-            <a:off x="6639120" y="1326600"/>
-            <a:ext cx="2921040" cy="1568520"/>
+            <a:off x="6638040" y="1326600"/>
+            <a:ext cx="2920680" cy="1568160"/>
           </a:xfrm>
           <a:prstGeom prst="rect">
             <a:avLst/>
@@ -467,8 +468,8 @@
         </p:nvSpPr>
         <p:spPr>
           <a:xfrm>
-            <a:off x="504000" y="3044520"/>
-            <a:ext cx="2921040" cy="1568520"/>
+            <a:off x="504000" y="3044160"/>
+            <a:ext cx="2920680" cy="1568160"/>
           </a:xfrm>
           <a:prstGeom prst="rect">
             <a:avLst/>
@@ -497,8 +498,8 @@
         </p:nvSpPr>
         <p:spPr>
           <a:xfrm>
-            <a:off x="3571560" y="3044520"/>
-            <a:ext cx="2921040" cy="1568520"/>
+            <a:off x="3571200" y="3044160"/>
+            <a:ext cx="2920680" cy="1568160"/>
           </a:xfrm>
           <a:prstGeom prst="rect">
             <a:avLst/>
@@ -527,8 +528,8 @@
         </p:nvSpPr>
         <p:spPr>
           <a:xfrm>
-            <a:off x="6639120" y="3044520"/>
-            <a:ext cx="2921040" cy="1568520"/>
+            <a:off x="6638040" y="3044160"/>
+            <a:ext cx="2920680" cy="1568160"/>
           </a:xfrm>
           <a:prstGeom prst="rect">
             <a:avLst/>
@@ -580,7 +581,7 @@
         <p:spPr>
           <a:xfrm>
             <a:off x="504000" y="226080"/>
-            <a:ext cx="9071280" cy="946080"/>
+            <a:ext cx="9070920" cy="945720"/>
           </a:xfrm>
           <a:prstGeom prst="rect">
             <a:avLst/>
@@ -609,7 +610,7 @@
         <p:spPr>
           <a:xfrm>
             <a:off x="504000" y="1326600"/>
-            <a:ext cx="9072000" cy="3288600"/>
+            <a:ext cx="9071640" cy="3288240"/>
           </a:xfrm>
           <a:prstGeom prst="rect">
             <a:avLst/>
@@ -660,7 +661,7 @@
         <p:spPr>
           <a:xfrm>
             <a:off x="504000" y="226080"/>
-            <a:ext cx="9071280" cy="946080"/>
+            <a:ext cx="9070920" cy="945720"/>
           </a:xfrm>
           <a:prstGeom prst="rect">
             <a:avLst/>
@@ -689,7 +690,7 @@
         <p:spPr>
           <a:xfrm>
             <a:off x="504000" y="1326600"/>
-            <a:ext cx="9072000" cy="3288600"/>
+            <a:ext cx="9071640" cy="3288240"/>
           </a:xfrm>
           <a:prstGeom prst="rect">
             <a:avLst/>
@@ -741,7 +742,7 @@
         <p:spPr>
           <a:xfrm>
             <a:off x="504000" y="226080"/>
-            <a:ext cx="9071280" cy="946080"/>
+            <a:ext cx="9070920" cy="945720"/>
           </a:xfrm>
           <a:prstGeom prst="rect">
             <a:avLst/>
@@ -770,7 +771,7 @@
         <p:spPr>
           <a:xfrm>
             <a:off x="504000" y="1326600"/>
-            <a:ext cx="4426920" cy="3288600"/>
+            <a:ext cx="4426920" cy="3288240"/>
           </a:xfrm>
           <a:prstGeom prst="rect">
             <a:avLst/>
@@ -800,7 +801,7 @@
         <p:spPr>
           <a:xfrm>
             <a:off x="5152680" y="1326600"/>
-            <a:ext cx="4426920" cy="3288600"/>
+            <a:ext cx="4426920" cy="3288240"/>
           </a:xfrm>
           <a:prstGeom prst="rect">
             <a:avLst/>
@@ -852,7 +853,7 @@
         <p:spPr>
           <a:xfrm>
             <a:off x="504000" y="226080"/>
-            <a:ext cx="9071280" cy="946080"/>
+            <a:ext cx="9070920" cy="945720"/>
           </a:xfrm>
           <a:prstGeom prst="rect">
             <a:avLst/>
@@ -903,7 +904,7 @@
         <p:spPr>
           <a:xfrm>
             <a:off x="504000" y="226080"/>
-            <a:ext cx="9071280" cy="4386600"/>
+            <a:ext cx="9070920" cy="4385160"/>
           </a:xfrm>
           <a:prstGeom prst="rect">
             <a:avLst/>
@@ -954,7 +955,7 @@
         <p:spPr>
           <a:xfrm>
             <a:off x="504000" y="226080"/>
-            <a:ext cx="9071280" cy="946080"/>
+            <a:ext cx="9070920" cy="945720"/>
           </a:xfrm>
           <a:prstGeom prst="rect">
             <a:avLst/>
@@ -983,7 +984,7 @@
         <p:spPr>
           <a:xfrm>
             <a:off x="504000" y="1326600"/>
-            <a:ext cx="4426920" cy="1568520"/>
+            <a:ext cx="4426920" cy="1568160"/>
           </a:xfrm>
           <a:prstGeom prst="rect">
             <a:avLst/>
@@ -1013,7 +1014,7 @@
         <p:spPr>
           <a:xfrm>
             <a:off x="5152680" y="1326600"/>
-            <a:ext cx="4426920" cy="3288600"/>
+            <a:ext cx="4426920" cy="3288240"/>
           </a:xfrm>
           <a:prstGeom prst="rect">
             <a:avLst/>
@@ -1042,8 +1043,8 @@
         </p:nvSpPr>
         <p:spPr>
           <a:xfrm>
-            <a:off x="504000" y="3044520"/>
-            <a:ext cx="4426920" cy="1568520"/>
+            <a:off x="504000" y="3044160"/>
+            <a:ext cx="4426920" cy="1568160"/>
           </a:xfrm>
           <a:prstGeom prst="rect">
             <a:avLst/>
@@ -1095,7 +1096,7 @@
         <p:spPr>
           <a:xfrm>
             <a:off x="504000" y="226080"/>
-            <a:ext cx="9071280" cy="946080"/>
+            <a:ext cx="9070920" cy="945720"/>
           </a:xfrm>
           <a:prstGeom prst="rect">
             <a:avLst/>
@@ -1124,7 +1125,7 @@
         <p:spPr>
           <a:xfrm>
             <a:off x="504000" y="1326600"/>
-            <a:ext cx="4426920" cy="3288600"/>
+            <a:ext cx="4426920" cy="3288240"/>
           </a:xfrm>
           <a:prstGeom prst="rect">
             <a:avLst/>
@@ -1154,7 +1155,7 @@
         <p:spPr>
           <a:xfrm>
             <a:off x="5152680" y="1326600"/>
-            <a:ext cx="4426920" cy="1568520"/>
+            <a:ext cx="4426920" cy="1568160"/>
           </a:xfrm>
           <a:prstGeom prst="rect">
             <a:avLst/>
@@ -1183,8 +1184,8 @@
         </p:nvSpPr>
         <p:spPr>
           <a:xfrm>
-            <a:off x="5152680" y="3044520"/>
-            <a:ext cx="4426920" cy="1568520"/>
+            <a:off x="5152680" y="3044160"/>
+            <a:ext cx="4426920" cy="1568160"/>
           </a:xfrm>
           <a:prstGeom prst="rect">
             <a:avLst/>
@@ -1236,7 +1237,7 @@
         <p:spPr>
           <a:xfrm>
             <a:off x="504000" y="226080"/>
-            <a:ext cx="9071280" cy="946080"/>
+            <a:ext cx="9070920" cy="945720"/>
           </a:xfrm>
           <a:prstGeom prst="rect">
             <a:avLst/>
@@ -1265,7 +1266,7 @@
         <p:spPr>
           <a:xfrm>
             <a:off x="504000" y="1326600"/>
-            <a:ext cx="4426920" cy="1568520"/>
+            <a:ext cx="4426920" cy="1568160"/>
           </a:xfrm>
           <a:prstGeom prst="rect">
             <a:avLst/>
@@ -1295,7 +1296,7 @@
         <p:spPr>
           <a:xfrm>
             <a:off x="5152680" y="1326600"/>
-            <a:ext cx="4426920" cy="1568520"/>
+            <a:ext cx="4426920" cy="1568160"/>
           </a:xfrm>
           <a:prstGeom prst="rect">
             <a:avLst/>
@@ -1324,8 +1325,8 @@
         </p:nvSpPr>
         <p:spPr>
           <a:xfrm>
-            <a:off x="504000" y="3044520"/>
-            <a:ext cx="9072000" cy="1568520"/>
+            <a:off x="504000" y="3044160"/>
+            <a:ext cx="9071640" cy="1568160"/>
           </a:xfrm>
           <a:prstGeom prst="rect">
             <a:avLst/>
@@ -1377,7 +1378,7 @@
         <p:spPr>
           <a:xfrm>
             <a:off x="504000" y="226080"/>
-            <a:ext cx="9071280" cy="946080"/>
+            <a:ext cx="9070920" cy="945720"/>
           </a:xfrm>
           <a:prstGeom prst="rect">
             <a:avLst/>
@@ -1390,25 +1391,7 @@
               <a:rPr b="0" lang="en-US" sz="1800" spc="-1" strike="noStrike">
                 <a:latin typeface="Arial"/>
               </a:rPr>
-              <a:t>Click to </a:t>
-            </a:r>
-            <a:r>
-              <a:rPr b="0" lang="en-US" sz="1800" spc="-1" strike="noStrike">
-                <a:latin typeface="Arial"/>
-              </a:rPr>
-              <a:t>edit the </a:t>
-            </a:r>
-            <a:r>
-              <a:rPr b="0" lang="en-US" sz="1800" spc="-1" strike="noStrike">
-                <a:latin typeface="Arial"/>
-              </a:rPr>
-              <a:t>title text </a:t>
-            </a:r>
-            <a:r>
-              <a:rPr b="0" lang="en-US" sz="1800" spc="-1" strike="noStrike">
-                <a:latin typeface="Arial"/>
-              </a:rPr>
-              <a:t>format</a:t>
+              <a:t>Click to edit the title text format</a:t>
             </a:r>
             <a:endParaRPr b="0" lang="en-US" sz="1800" spc="-1" strike="noStrike">
               <a:latin typeface="Arial"/>
@@ -1429,7 +1412,7 @@
         <p:spPr>
           <a:xfrm>
             <a:off x="504000" y="1326600"/>
-            <a:ext cx="9072000" cy="3288600"/>
+            <a:ext cx="9071640" cy="3288240"/>
           </a:xfrm>
           <a:prstGeom prst="rect">
             <a:avLst/>
@@ -1452,12 +1435,12 @@
               <a:buChar char=""/>
             </a:pPr>
             <a:r>
-              <a:rPr b="0" lang="en-US" sz="3200" spc="-1" strike="noStrike">
+              <a:rPr b="0" lang="en-US" sz="1800" spc="-1" strike="noStrike">
                 <a:latin typeface="Arial"/>
               </a:rPr>
               <a:t>Click to edit the outline text format</a:t>
             </a:r>
-            <a:endParaRPr b="0" lang="en-US" sz="3200" spc="-1" strike="noStrike">
+            <a:endParaRPr b="0" lang="en-US" sz="1800" spc="-1" strike="noStrike">
               <a:latin typeface="Arial"/>
             </a:endParaRPr>
           </a:p>
@@ -1474,12 +1457,12 @@
               <a:buChar char=""/>
             </a:pPr>
             <a:r>
-              <a:rPr b="0" lang="en-US" sz="2800" spc="-1" strike="noStrike">
+              <a:rPr b="0" lang="en-US" sz="1800" spc="-1" strike="noStrike">
                 <a:latin typeface="Arial"/>
               </a:rPr>
               <a:t>Second Outline Level</a:t>
             </a:r>
-            <a:endParaRPr b="0" lang="en-US" sz="2800" spc="-1" strike="noStrike">
+            <a:endParaRPr b="0" lang="en-US" sz="1800" spc="-1" strike="noStrike">
               <a:latin typeface="Arial"/>
             </a:endParaRPr>
           </a:p>
@@ -1496,12 +1479,12 @@
               <a:buChar char=""/>
             </a:pPr>
             <a:r>
-              <a:rPr b="0" lang="en-US" sz="2400" spc="-1" strike="noStrike">
+              <a:rPr b="0" lang="en-US" sz="1800" spc="-1" strike="noStrike">
                 <a:latin typeface="Arial"/>
               </a:rPr>
               <a:t>Third Outline Level</a:t>
             </a:r>
-            <a:endParaRPr b="0" lang="en-US" sz="2400" spc="-1" strike="noStrike">
+            <a:endParaRPr b="0" lang="en-US" sz="1800" spc="-1" strike="noStrike">
               <a:latin typeface="Arial"/>
             </a:endParaRPr>
           </a:p>
@@ -1518,12 +1501,12 @@
               <a:buChar char=""/>
             </a:pPr>
             <a:r>
-              <a:rPr b="0" lang="en-US" sz="2000" spc="-1" strike="noStrike">
+              <a:rPr b="0" lang="en-US" sz="1800" spc="-1" strike="noStrike">
                 <a:latin typeface="Arial"/>
               </a:rPr>
               <a:t>Fourth Outline Level</a:t>
             </a:r>
-            <a:endParaRPr b="0" lang="en-US" sz="2000" spc="-1" strike="noStrike">
+            <a:endParaRPr b="0" lang="en-US" sz="1800" spc="-1" strike="noStrike">
               <a:latin typeface="Arial"/>
             </a:endParaRPr>
           </a:p>
@@ -1540,12 +1523,12 @@
               <a:buChar char=""/>
             </a:pPr>
             <a:r>
-              <a:rPr b="0" lang="en-US" sz="2000" spc="-1" strike="noStrike">
+              <a:rPr b="0" lang="en-US" sz="1800" spc="-1" strike="noStrike">
                 <a:latin typeface="Arial"/>
               </a:rPr>
               <a:t>Fifth Outline Level</a:t>
             </a:r>
-            <a:endParaRPr b="0" lang="en-US" sz="2000" spc="-1" strike="noStrike">
+            <a:endParaRPr b="0" lang="en-US" sz="1800" spc="-1" strike="noStrike">
               <a:latin typeface="Arial"/>
             </a:endParaRPr>
           </a:p>
@@ -1562,12 +1545,12 @@
               <a:buChar char=""/>
             </a:pPr>
             <a:r>
-              <a:rPr b="0" lang="en-US" sz="2000" spc="-1" strike="noStrike">
+              <a:rPr b="0" lang="en-US" sz="1800" spc="-1" strike="noStrike">
                 <a:latin typeface="Arial"/>
               </a:rPr>
               <a:t>Sixth Outline Level</a:t>
             </a:r>
-            <a:endParaRPr b="0" lang="en-US" sz="2000" spc="-1" strike="noStrike">
+            <a:endParaRPr b="0" lang="en-US" sz="1800" spc="-1" strike="noStrike">
               <a:latin typeface="Arial"/>
             </a:endParaRPr>
           </a:p>
@@ -1584,12 +1567,12 @@
               <a:buChar char=""/>
             </a:pPr>
             <a:r>
-              <a:rPr b="0" lang="en-US" sz="2000" spc="-1" strike="noStrike">
+              <a:rPr b="0" lang="en-US" sz="1800" spc="-1" strike="noStrike">
                 <a:latin typeface="Arial"/>
               </a:rPr>
               <a:t>Seventh Outline Level</a:t>
             </a:r>
-            <a:endParaRPr b="0" lang="en-US" sz="2000" spc="-1" strike="noStrike">
+            <a:endParaRPr b="0" lang="en-US" sz="1800" spc="-1" strike="noStrike">
               <a:latin typeface="Arial"/>
             </a:endParaRPr>
           </a:p>
@@ -1641,7 +1624,7 @@
         <p:spPr>
           <a:xfrm>
             <a:off x="3017520" y="1189440"/>
-            <a:ext cx="6822000" cy="4296960"/>
+            <a:ext cx="6821640" cy="4296600"/>
           </a:xfrm>
           <a:prstGeom prst="rect">
             <a:avLst/>
@@ -1694,7 +1677,7 @@
         <p:spPr>
           <a:xfrm>
             <a:off x="504000" y="226080"/>
-            <a:ext cx="9071280" cy="946080"/>
+            <a:ext cx="9070920" cy="945720"/>
           </a:xfrm>
           <a:prstGeom prst="rect">
             <a:avLst/>
@@ -1720,129 +1703,13 @@
             </a:pPr>
             <a:r>
               <a:rPr b="0" lang="en-US" sz="4400" spc="-1" strike="noStrike">
-                <a:latin typeface="Arial"/>
-              </a:rPr>
-              <a:t>I</a:t>
-            </a:r>
-            <a:r>
-              <a:rPr b="0" lang="en-US" sz="4400" spc="-1" strike="noStrike">
-                <a:latin typeface="Arial"/>
-              </a:rPr>
-              <a:t>m</a:t>
-            </a:r>
-            <a:r>
-              <a:rPr b="0" lang="en-US" sz="4400" spc="-1" strike="noStrike">
-                <a:latin typeface="Arial"/>
-              </a:rPr>
-              <a:t>pl</a:t>
-            </a:r>
-            <a:r>
-              <a:rPr b="0" lang="en-US" sz="4400" spc="-1" strike="noStrike">
-                <a:latin typeface="Arial"/>
-              </a:rPr>
-              <a:t>e</a:t>
-            </a:r>
-            <a:r>
-              <a:rPr b="0" lang="en-US" sz="4400" spc="-1" strike="noStrike">
-                <a:latin typeface="Arial"/>
-              </a:rPr>
-              <a:t>m</a:t>
-            </a:r>
-            <a:r>
-              <a:rPr b="0" lang="en-US" sz="4400" spc="-1" strike="noStrike">
-                <a:latin typeface="Arial"/>
-              </a:rPr>
-              <a:t>e</a:t>
-            </a:r>
-            <a:r>
-              <a:rPr b="0" lang="en-US" sz="4400" spc="-1" strike="noStrike">
-                <a:latin typeface="Arial"/>
-              </a:rPr>
-              <a:t>nt</a:t>
-            </a:r>
-            <a:r>
-              <a:rPr b="0" lang="en-US" sz="4400" spc="-1" strike="noStrike">
-                <a:latin typeface="Arial"/>
-              </a:rPr>
-              <a:t>in</a:t>
-            </a:r>
-            <a:r>
-              <a:rPr b="0" lang="en-US" sz="4400" spc="-1" strike="noStrike">
-                <a:latin typeface="Arial"/>
-              </a:rPr>
-              <a:t>g </a:t>
-            </a:r>
-            <a:r>
-              <a:rPr b="0" lang="en-US" sz="4400" spc="-1" strike="noStrike">
-                <a:latin typeface="Arial"/>
-              </a:rPr>
-              <a:t>s</a:t>
-            </a:r>
-            <a:r>
-              <a:rPr b="0" lang="en-US" sz="4400" spc="-1" strike="noStrike">
-                <a:latin typeface="Arial"/>
-              </a:rPr>
-              <a:t>e</a:t>
-            </a:r>
-            <a:r>
-              <a:rPr b="0" lang="en-US" sz="4400" spc="-1" strike="noStrike">
-                <a:latin typeface="Arial"/>
-              </a:rPr>
-              <a:t>nt</a:t>
-            </a:r>
-            <a:r>
-              <a:rPr b="0" lang="en-US" sz="4400" spc="-1" strike="noStrike">
-                <a:latin typeface="Arial"/>
-              </a:rPr>
-              <a:t>i</a:t>
-            </a:r>
-            <a:r>
-              <a:rPr b="0" lang="en-US" sz="4400" spc="-1" strike="noStrike">
-                <a:latin typeface="Arial"/>
-              </a:rPr>
-              <a:t>m</a:t>
-            </a:r>
-            <a:r>
-              <a:rPr b="0" lang="en-US" sz="4400" spc="-1" strike="noStrike">
-                <a:latin typeface="Arial"/>
-              </a:rPr>
-              <a:t>e</a:t>
-            </a:r>
-            <a:r>
-              <a:rPr b="0" lang="en-US" sz="4400" spc="-1" strike="noStrike">
-                <a:latin typeface="Arial"/>
-              </a:rPr>
-              <a:t>nt </a:t>
-            </a:r>
-            <a:r>
-              <a:rPr b="0" lang="en-US" sz="4400" spc="-1" strike="noStrike">
-                <a:latin typeface="Arial"/>
-              </a:rPr>
-              <a:t>a</a:t>
-            </a:r>
-            <a:r>
-              <a:rPr b="0" lang="en-US" sz="4400" spc="-1" strike="noStrike">
-                <a:latin typeface="Arial"/>
-              </a:rPr>
-              <a:t>n</a:t>
-            </a:r>
-            <a:r>
-              <a:rPr b="0" lang="en-US" sz="4400" spc="-1" strike="noStrike">
-                <a:latin typeface="Arial"/>
-              </a:rPr>
-              <a:t>al</a:t>
-            </a:r>
-            <a:r>
-              <a:rPr b="0" lang="en-US" sz="4400" spc="-1" strike="noStrike">
-                <a:latin typeface="Arial"/>
-              </a:rPr>
-              <a:t>ys</a:t>
-            </a:r>
-            <a:r>
-              <a:rPr b="0" lang="en-US" sz="4400" spc="-1" strike="noStrike">
-                <a:latin typeface="Arial"/>
-              </a:rPr>
-              <a:t>is</a:t>
+                <a:solidFill>
+                  <a:srgbClr val="000000"/>
+                </a:solidFill>
+                <a:latin typeface="Arial"/>
+                <a:ea typeface="DejaVu Sans"/>
+              </a:rPr>
+              <a:t>Implementing sentiment analysis</a:t>
             </a:r>
             <a:endParaRPr b="0" lang="en-US" sz="4400" spc="-1" strike="noStrike">
               <a:latin typeface="Arial"/>
@@ -1859,7 +1726,7 @@
         <p:spPr>
           <a:xfrm>
             <a:off x="4261680" y="1829160"/>
-            <a:ext cx="2230560" cy="1279800"/>
+            <a:ext cx="2230200" cy="1279440"/>
           </a:xfrm>
           <a:prstGeom prst="ellipse">
             <a:avLst/>
@@ -1895,27 +1762,7 @@
                 <a:latin typeface="Arial"/>
                 <a:ea typeface="DejaVu Sans"/>
               </a:rPr>
-              <a:t>VA</a:t>
-            </a:r>
-            <a:r>
-              <a:rPr b="0" lang="en-US" sz="1800" spc="-1" strike="noStrike">
-                <a:solidFill>
-                  <a:srgbClr val="000000"/>
-                </a:solidFill>
-                <a:latin typeface="Arial"/>
-                <a:ea typeface="DejaVu Sans"/>
-              </a:rPr>
-              <a:t>DE</a:t>
-            </a:r>
-            <a:r>
-              <a:rPr b="0" lang="en-US" sz="1800" spc="-1" strike="noStrike">
-                <a:solidFill>
-                  <a:srgbClr val="000000"/>
-                </a:solidFill>
-                <a:latin typeface="Arial"/>
-                <a:ea typeface="DejaVu Sans"/>
-              </a:rPr>
-              <a:t>R</a:t>
+              <a:t>VADER</a:t>
             </a:r>
             <a:endParaRPr b="0" lang="en-US" sz="1800" spc="-1" strike="noStrike">
               <a:latin typeface="Arial"/>
@@ -1945,57 +1792,7 @@
                 <a:latin typeface="Arial"/>
                 <a:ea typeface="DejaVu Sans"/>
               </a:rPr>
-              <a:t>sen</a:t>
-            </a:r>
-            <a:r>
-              <a:rPr b="0" lang="en-US" sz="1800" spc="-1" strike="noStrike">
-                <a:solidFill>
-                  <a:srgbClr val="000000"/>
-                </a:solidFill>
-                <a:latin typeface="Arial"/>
-                <a:ea typeface="DejaVu Sans"/>
-              </a:rPr>
-              <a:t>tim</a:t>
-            </a:r>
-            <a:r>
-              <a:rPr b="0" lang="en-US" sz="1800" spc="-1" strike="noStrike">
-                <a:solidFill>
-                  <a:srgbClr val="000000"/>
-                </a:solidFill>
-                <a:latin typeface="Arial"/>
-                <a:ea typeface="DejaVu Sans"/>
-              </a:rPr>
-              <a:t>ent </a:t>
-            </a:r>
-            <a:r>
-              <a:rPr b="0" lang="en-US" sz="1800" spc="-1" strike="noStrike">
-                <a:solidFill>
-                  <a:srgbClr val="000000"/>
-                </a:solidFill>
-                <a:latin typeface="Arial"/>
-                <a:ea typeface="DejaVu Sans"/>
-              </a:rPr>
-              <a:t>an</a:t>
-            </a:r>
-            <a:r>
-              <a:rPr b="0" lang="en-US" sz="1800" spc="-1" strike="noStrike">
-                <a:solidFill>
-                  <a:srgbClr val="000000"/>
-                </a:solidFill>
-                <a:latin typeface="Arial"/>
-                <a:ea typeface="DejaVu Sans"/>
-              </a:rPr>
-              <a:t>aly</a:t>
-            </a:r>
-            <a:r>
-              <a:rPr b="0" lang="en-US" sz="1800" spc="-1" strike="noStrike">
-                <a:solidFill>
-                  <a:srgbClr val="000000"/>
-                </a:solidFill>
-                <a:latin typeface="Arial"/>
-                <a:ea typeface="DejaVu Sans"/>
-              </a:rPr>
-              <a:t>sis</a:t>
+              <a:t>sentiment analysis</a:t>
             </a:r>
             <a:endParaRPr b="0" lang="en-US" sz="1800" spc="-1" strike="noStrike">
               <a:latin typeface="Arial"/>
@@ -2012,7 +1809,7 @@
         <p:spPr>
           <a:xfrm>
             <a:off x="2014560" y="3475080"/>
-            <a:ext cx="914040" cy="456840"/>
+            <a:ext cx="913680" cy="456480"/>
           </a:xfrm>
           <a:custGeom>
             <a:avLst/>
@@ -2073,7 +1870,7 @@
         <p:spPr>
           <a:xfrm>
             <a:off x="4846680" y="3383280"/>
-            <a:ext cx="548280" cy="548280"/>
+            <a:ext cx="547920" cy="547920"/>
           </a:xfrm>
           <a:custGeom>
             <a:avLst/>
@@ -2149,7 +1946,7 @@
         <p:spPr>
           <a:xfrm>
             <a:off x="8229600" y="2194560"/>
-            <a:ext cx="1463040" cy="2834640"/>
+            <a:ext cx="1462680" cy="2834280"/>
           </a:xfrm>
           <a:prstGeom prst="can">
             <a:avLst>
@@ -2174,10 +1971,18 @@
         <p:txBody>
           <a:bodyPr wrap="none" lIns="90000" rIns="90000" tIns="45000" bIns="45000" anchor="ctr"/>
           <a:p>
-            <a:pPr algn="ctr"/>
+            <a:pPr algn="ctr">
+              <a:lnSpc>
+                <a:spcPct val="100000"/>
+              </a:lnSpc>
+            </a:pPr>
             <a:r>
               <a:rPr b="0" lang="en-US" sz="1800" spc="-1" strike="noStrike">
-                <a:latin typeface="Arial"/>
+                <a:solidFill>
+                  <a:srgbClr val="000000"/>
+                </a:solidFill>
+                <a:latin typeface="Arial"/>
+                <a:ea typeface="DejaVu Sans"/>
               </a:rPr>
               <a:t>Database</a:t>
             </a:r>
@@ -2196,7 +2001,7 @@
         <p:spPr>
           <a:xfrm>
             <a:off x="277200" y="1280160"/>
-            <a:ext cx="1554480" cy="4114800"/>
+            <a:ext cx="1554120" cy="4114440"/>
           </a:xfrm>
           <a:prstGeom prst="rect">
             <a:avLst/>
@@ -2226,7 +2031,11 @@
             </a:pPr>
             <a:r>
               <a:rPr b="0" lang="en-US" sz="1800" spc="-1" strike="noStrike">
-                <a:latin typeface="Arial"/>
+                <a:solidFill>
+                  <a:srgbClr val="000000"/>
+                </a:solidFill>
+                <a:latin typeface="Arial"/>
+                <a:ea typeface="DejaVu Sans"/>
               </a:rPr>
               <a:t>Application</a:t>
             </a:r>
@@ -2245,7 +2054,7 @@
         <p:spPr>
           <a:xfrm>
             <a:off x="3657600" y="4480560"/>
-            <a:ext cx="3840480" cy="456840"/>
+            <a:ext cx="3840120" cy="456480"/>
           </a:xfrm>
           <a:custGeom>
             <a:avLst/>
@@ -2305,8 +2114,8 @@
         </p:nvSpPr>
         <p:spPr>
           <a:xfrm rot="19464600">
-            <a:off x="3497400" y="2700000"/>
-            <a:ext cx="914040" cy="371520"/>
+            <a:off x="3497040" y="2700000"/>
+            <a:ext cx="913680" cy="371160"/>
           </a:xfrm>
           <a:custGeom>
             <a:avLst/>
@@ -2367,7 +2176,7 @@
         <p:spPr>
           <a:xfrm rot="1743600">
             <a:off x="6618960" y="2973960"/>
-            <a:ext cx="1358280" cy="371520"/>
+            <a:ext cx="1357920" cy="371160"/>
           </a:xfrm>
           <a:custGeom>
             <a:avLst/>
@@ -2421,14 +2230,14 @@
       </p:sp>
       <p:sp>
         <p:nvSpPr>
-          <p:cNvPr id="48" name="TextShape 11"/>
-          <p:cNvSpPr txBox="1"/>
+          <p:cNvPr id="48" name="CustomShape 11"/>
+          <p:cNvSpPr/>
           <p:nvPr/>
         </p:nvSpPr>
         <p:spPr>
           <a:xfrm>
             <a:off x="6894000" y="2360880"/>
-            <a:ext cx="1097280" cy="541800"/>
+            <a:ext cx="1096920" cy="541440"/>
           </a:xfrm>
           <a:prstGeom prst="rect">
             <a:avLst/>
@@ -2438,10 +2247,20 @@
             <a:noFill/>
           </a:ln>
         </p:spPr>
+        <p:style>
+          <a:lnRef idx="0"/>
+          <a:fillRef idx="0"/>
+          <a:effectRef idx="0"/>
+          <a:fontRef idx="minor"/>
+        </p:style>
         <p:txBody>
           <a:bodyPr lIns="90000" rIns="90000" tIns="45000" bIns="45000"/>
           <a:p>
-            <a:pPr algn="ctr"/>
+            <a:pPr algn="ctr">
+              <a:lnSpc>
+                <a:spcPct val="100000"/>
+              </a:lnSpc>
+            </a:pPr>
             <a:r>
               <a:rPr b="0" lang="en-US" sz="1600" spc="-1" strike="noStrike">
                 <a:latin typeface="Arial"/>
@@ -2453,7 +2272,11 @@
             </a:endParaRPr>
           </a:p>
           <a:p>
-            <a:pPr algn="ctr"/>
+            <a:pPr algn="ctr">
+              <a:lnSpc>
+                <a:spcPct val="100000"/>
+              </a:lnSpc>
+            </a:pPr>
             <a:r>
               <a:rPr b="0" lang="en-US" sz="1600" spc="-1" strike="noStrike">
                 <a:latin typeface="Arial"/>
@@ -2474,14 +2297,14 @@
       </p:sp>
       <p:sp>
         <p:nvSpPr>
-          <p:cNvPr id="49" name="TextShape 12"/>
-          <p:cNvSpPr txBox="1"/>
+          <p:cNvPr id="49" name="CustomShape 12"/>
+          <p:cNvSpPr/>
           <p:nvPr/>
         </p:nvSpPr>
         <p:spPr>
           <a:xfrm>
             <a:off x="3931920" y="4206240"/>
-            <a:ext cx="2651760" cy="365760"/>
+            <a:ext cx="2651400" cy="365400"/>
           </a:xfrm>
           <a:prstGeom prst="rect">
             <a:avLst/>
@@ -2491,21 +2314,25 @@
             <a:noFill/>
           </a:ln>
         </p:spPr>
+        <p:style>
+          <a:lnRef idx="0"/>
+          <a:fillRef idx="0"/>
+          <a:effectRef idx="0"/>
+          <a:fontRef idx="minor"/>
+        </p:style>
         <p:txBody>
           <a:bodyPr lIns="90000" rIns="90000" tIns="45000" bIns="45000"/>
           <a:p>
-            <a:pPr algn="ctr"/>
+            <a:pPr algn="ctr">
+              <a:lnSpc>
+                <a:spcPct val="100000"/>
+              </a:lnSpc>
+            </a:pPr>
             <a:r>
               <a:rPr b="0" lang="en-US" sz="1600" spc="-1" strike="noStrike">
                 <a:latin typeface="Arial"/>
               </a:rPr>
-              <a:t>Conte</a:t>
-            </a:r>
-            <a:r>
-              <a:rPr b="0" lang="en-US" sz="1600" spc="-1" strike="noStrike">
-                <a:latin typeface="Arial"/>
-              </a:rPr>
-              <a:t>nts</a:t>
+              <a:t>Contents</a:t>
             </a:r>
             <a:endParaRPr b="0" lang="en-US" sz="1600" spc="-1" strike="noStrike">
               <a:latin typeface="Arial"/>
@@ -2515,14 +2342,14 @@
       </p:sp>
       <p:sp>
         <p:nvSpPr>
-          <p:cNvPr id="50" name="TextShape 13"/>
-          <p:cNvSpPr txBox="1"/>
+          <p:cNvPr id="50" name="CustomShape 13"/>
+          <p:cNvSpPr/>
           <p:nvPr/>
         </p:nvSpPr>
         <p:spPr>
           <a:xfrm>
             <a:off x="2984400" y="2488320"/>
-            <a:ext cx="1097280" cy="365760"/>
+            <a:ext cx="1096920" cy="365400"/>
           </a:xfrm>
           <a:prstGeom prst="rect">
             <a:avLst/>
@@ -2532,10 +2359,20 @@
             <a:noFill/>
           </a:ln>
         </p:spPr>
+        <p:style>
+          <a:lnRef idx="0"/>
+          <a:fillRef idx="0"/>
+          <a:effectRef idx="0"/>
+          <a:fontRef idx="minor"/>
+        </p:style>
         <p:txBody>
           <a:bodyPr lIns="90000" rIns="90000" tIns="45000" bIns="45000"/>
           <a:p>
-            <a:pPr algn="ctr"/>
+            <a:pPr algn="ctr">
+              <a:lnSpc>
+                <a:spcPct val="100000"/>
+              </a:lnSpc>
+            </a:pPr>
             <a:r>
               <a:rPr b="0" lang="en-US" sz="1600" spc="-1" strike="noStrike">
                 <a:latin typeface="Arial"/>
@@ -2606,7 +2443,7 @@
         <p:spPr>
           <a:xfrm>
             <a:off x="504000" y="226080"/>
-            <a:ext cx="9071280" cy="946080"/>
+            <a:ext cx="9070920" cy="945720"/>
           </a:xfrm>
           <a:prstGeom prst="rect">
             <a:avLst/>
@@ -2632,7 +2469,11 @@
             </a:pPr>
             <a:r>
               <a:rPr b="0" lang="en-US" sz="4400" spc="-1" strike="noStrike">
-                <a:latin typeface="Arial"/>
+                <a:solidFill>
+                  <a:srgbClr val="000000"/>
+                </a:solidFill>
+                <a:latin typeface="Arial"/>
+                <a:ea typeface="DejaVu Sans"/>
               </a:rPr>
               <a:t>Improving sentiment analysis</a:t>
             </a:r>
@@ -2651,7 +2492,7 @@
         <p:spPr>
           <a:xfrm>
             <a:off x="504000" y="1326600"/>
-            <a:ext cx="9071280" cy="3287880"/>
+            <a:ext cx="9070920" cy="3287520"/>
           </a:xfrm>
           <a:prstGeom prst="rect">
             <a:avLst/>
@@ -2677,7 +2518,11 @@
             </a:pPr>
             <a:r>
               <a:rPr b="0" lang="en-US" sz="3200" spc="-1" strike="noStrike">
-                <a:latin typeface="Arial"/>
+                <a:solidFill>
+                  <a:srgbClr val="000000"/>
+                </a:solidFill>
+                <a:latin typeface="Arial"/>
+                <a:ea typeface="DejaVu Sans"/>
               </a:rPr>
               <a:t>- Installed PHP version in the server is 5.2.</a:t>
             </a:r>
@@ -2693,7 +2538,11 @@
             </a:pPr>
             <a:r>
               <a:rPr b="0" lang="en-US" sz="3200" spc="-1" strike="noStrike">
-                <a:latin typeface="Arial"/>
+                <a:solidFill>
+                  <a:srgbClr val="000000"/>
+                </a:solidFill>
+                <a:latin typeface="Arial"/>
+                <a:ea typeface="DejaVu Sans"/>
               </a:rPr>
               <a:t>- We contracted for PHP 5.5, but they provided 5.2 version.</a:t>
             </a:r>
@@ -2709,7 +2558,11 @@
             </a:pPr>
             <a:r>
               <a:rPr b="0" lang="en-US" sz="3200" spc="-1" strike="noStrike">
-                <a:latin typeface="Arial"/>
+                <a:solidFill>
+                  <a:srgbClr val="000000"/>
+                </a:solidFill>
+                <a:latin typeface="Arial"/>
+                <a:ea typeface="DejaVu Sans"/>
               </a:rPr>
               <a:t>- We had to modify the original PHP code to run on the server with legacy system.</a:t>
             </a:r>
@@ -2725,7 +2578,11 @@
             </a:pPr>
             <a:r>
               <a:rPr b="0" lang="en-US" sz="3200" spc="-1" strike="noStrike">
-                <a:latin typeface="Arial"/>
+                <a:solidFill>
+                  <a:srgbClr val="000000"/>
+                </a:solidFill>
+                <a:latin typeface="Arial"/>
+                <a:ea typeface="DejaVu Sans"/>
               </a:rPr>
               <a:t>- We considered upgrading the PHP version to 7, but it might have caused side effect because it deletes all the data on the server.</a:t>
             </a:r>
@@ -2803,7 +2660,7 @@
         <p:spPr>
           <a:xfrm>
             <a:off x="504000" y="226080"/>
-            <a:ext cx="9071280" cy="946080"/>
+            <a:ext cx="9070920" cy="945720"/>
           </a:xfrm>
           <a:prstGeom prst="rect">
             <a:avLst/>
@@ -2829,129 +2686,13 @@
             </a:pPr>
             <a:r>
               <a:rPr b="0" lang="en-US" sz="4400" spc="-1" strike="noStrike">
-                <a:latin typeface="Arial"/>
-              </a:rPr>
-              <a:t>I</a:t>
-            </a:r>
-            <a:r>
-              <a:rPr b="0" lang="en-US" sz="4400" spc="-1" strike="noStrike">
-                <a:latin typeface="Arial"/>
-              </a:rPr>
-              <a:t>m</a:t>
-            </a:r>
-            <a:r>
-              <a:rPr b="0" lang="en-US" sz="4400" spc="-1" strike="noStrike">
-                <a:latin typeface="Arial"/>
-              </a:rPr>
-              <a:t>pl</a:t>
-            </a:r>
-            <a:r>
-              <a:rPr b="0" lang="en-US" sz="4400" spc="-1" strike="noStrike">
-                <a:latin typeface="Arial"/>
-              </a:rPr>
-              <a:t>e</a:t>
-            </a:r>
-            <a:r>
-              <a:rPr b="0" lang="en-US" sz="4400" spc="-1" strike="noStrike">
-                <a:latin typeface="Arial"/>
-              </a:rPr>
-              <a:t>m</a:t>
-            </a:r>
-            <a:r>
-              <a:rPr b="0" lang="en-US" sz="4400" spc="-1" strike="noStrike">
-                <a:latin typeface="Arial"/>
-              </a:rPr>
-              <a:t>e</a:t>
-            </a:r>
-            <a:r>
-              <a:rPr b="0" lang="en-US" sz="4400" spc="-1" strike="noStrike">
-                <a:latin typeface="Arial"/>
-              </a:rPr>
-              <a:t>nt</a:t>
-            </a:r>
-            <a:r>
-              <a:rPr b="0" lang="en-US" sz="4400" spc="-1" strike="noStrike">
-                <a:latin typeface="Arial"/>
-              </a:rPr>
-              <a:t>in</a:t>
-            </a:r>
-            <a:r>
-              <a:rPr b="0" lang="en-US" sz="4400" spc="-1" strike="noStrike">
-                <a:latin typeface="Arial"/>
-              </a:rPr>
-              <a:t>g </a:t>
-            </a:r>
-            <a:r>
-              <a:rPr b="0" lang="en-US" sz="4400" spc="-1" strike="noStrike">
-                <a:latin typeface="Arial"/>
-              </a:rPr>
-              <a:t>s</a:t>
-            </a:r>
-            <a:r>
-              <a:rPr b="0" lang="en-US" sz="4400" spc="-1" strike="noStrike">
-                <a:latin typeface="Arial"/>
-              </a:rPr>
-              <a:t>e</a:t>
-            </a:r>
-            <a:r>
-              <a:rPr b="0" lang="en-US" sz="4400" spc="-1" strike="noStrike">
-                <a:latin typeface="Arial"/>
-              </a:rPr>
-              <a:t>nt</a:t>
-            </a:r>
-            <a:r>
-              <a:rPr b="0" lang="en-US" sz="4400" spc="-1" strike="noStrike">
-                <a:latin typeface="Arial"/>
-              </a:rPr>
-              <a:t>i</a:t>
-            </a:r>
-            <a:r>
-              <a:rPr b="0" lang="en-US" sz="4400" spc="-1" strike="noStrike">
-                <a:latin typeface="Arial"/>
-              </a:rPr>
-              <a:t>m</a:t>
-            </a:r>
-            <a:r>
-              <a:rPr b="0" lang="en-US" sz="4400" spc="-1" strike="noStrike">
-                <a:latin typeface="Arial"/>
-              </a:rPr>
-              <a:t>e</a:t>
-            </a:r>
-            <a:r>
-              <a:rPr b="0" lang="en-US" sz="4400" spc="-1" strike="noStrike">
-                <a:latin typeface="Arial"/>
-              </a:rPr>
-              <a:t>nt </a:t>
-            </a:r>
-            <a:r>
-              <a:rPr b="0" lang="en-US" sz="4400" spc="-1" strike="noStrike">
-                <a:latin typeface="Arial"/>
-              </a:rPr>
-              <a:t>a</a:t>
-            </a:r>
-            <a:r>
-              <a:rPr b="0" lang="en-US" sz="4400" spc="-1" strike="noStrike">
-                <a:latin typeface="Arial"/>
-              </a:rPr>
-              <a:t>n</a:t>
-            </a:r>
-            <a:r>
-              <a:rPr b="0" lang="en-US" sz="4400" spc="-1" strike="noStrike">
-                <a:latin typeface="Arial"/>
-              </a:rPr>
-              <a:t>al</a:t>
-            </a:r>
-            <a:r>
-              <a:rPr b="0" lang="en-US" sz="4400" spc="-1" strike="noStrike">
-                <a:latin typeface="Arial"/>
-              </a:rPr>
-              <a:t>ys</a:t>
-            </a:r>
-            <a:r>
-              <a:rPr b="0" lang="en-US" sz="4400" spc="-1" strike="noStrike">
-                <a:latin typeface="Arial"/>
-              </a:rPr>
-              <a:t>is</a:t>
+                <a:solidFill>
+                  <a:srgbClr val="000000"/>
+                </a:solidFill>
+                <a:latin typeface="Arial"/>
+                <a:ea typeface="DejaVu Sans"/>
+              </a:rPr>
+              <a:t>Implementing sentiment analysis</a:t>
             </a:r>
             <a:endParaRPr b="0" lang="en-US" sz="4400" spc="-1" strike="noStrike">
               <a:latin typeface="Arial"/>
@@ -2968,7 +2709,7 @@
         <p:spPr>
           <a:xfrm>
             <a:off x="504000" y="1326600"/>
-            <a:ext cx="9071280" cy="3287880"/>
+            <a:ext cx="9070920" cy="3287520"/>
           </a:xfrm>
           <a:prstGeom prst="rect">
             <a:avLst/>
@@ -2994,7 +2735,11 @@
             </a:pPr>
             <a:r>
               <a:rPr b="0" lang="en-US" sz="3200" spc="-1" strike="noStrike">
-                <a:latin typeface="Arial"/>
+                <a:solidFill>
+                  <a:srgbClr val="000000"/>
+                </a:solidFill>
+                <a:latin typeface="Arial"/>
+                <a:ea typeface="DejaVu Sans"/>
               </a:rPr>
               <a:t>- Short array syntax: supported since PHP 5.4</a:t>
             </a:r>
@@ -3010,6 +2755,9 @@
             </a:pPr>
             <a:r>
               <a:rPr b="0" lang="en-US" sz="3200" spc="-1" strike="noStrike">
+                <a:solidFill>
+                  <a:srgbClr val="000000"/>
+                </a:solidFill>
                 <a:latin typeface="Arial"/>
                 <a:ea typeface="Noto Sans CJK SC Regular"/>
               </a:rPr>
@@ -3017,6 +2765,9 @@
             </a:r>
             <a:r>
               <a:rPr b="0" lang="en-US" sz="1800" spc="-1" strike="noStrike">
+                <a:solidFill>
+                  <a:srgbClr val="000000"/>
+                </a:solidFill>
                 <a:latin typeface="Arial"/>
                 <a:ea typeface="Noto Sans CJK SC Regular"/>
               </a:rPr>
@@ -3024,7 +2775,11 @@
             </a:r>
             <a:r>
               <a:rPr b="0" lang="en-US" sz="1800" spc="-1" strike="noStrike">
-                <a:latin typeface="Arial"/>
+                <a:solidFill>
+                  <a:srgbClr val="000000"/>
+                </a:solidFill>
+                <a:latin typeface="Arial"/>
+                <a:ea typeface="DejaVu Sans"/>
               </a:rPr>
               <a:t>“.”,”!”, …, “"!?!?"”);</a:t>
             </a:r>
@@ -3040,7 +2795,11 @@
             </a:pPr>
             <a:r>
               <a:rPr b="0" lang="en-US" sz="3200" spc="-1" strike="noStrike">
-                <a:latin typeface="Arial"/>
+                <a:solidFill>
+                  <a:srgbClr val="000000"/>
+                </a:solidFill>
+                <a:latin typeface="Arial"/>
+                <a:ea typeface="DejaVu Sans"/>
               </a:rPr>
               <a:t>- const keyword for non-scalar values: supported since PHP 5.3</a:t>
             </a:r>
@@ -3056,6 +2815,9 @@
             </a:pPr>
             <a:r>
               <a:rPr b="0" lang="en-US" sz="3200" spc="-1" strike="noStrike">
+                <a:solidFill>
+                  <a:srgbClr val="000000"/>
+                </a:solidFill>
                 <a:latin typeface="Arial"/>
                 <a:ea typeface="Noto Sans CJK SC Regular"/>
               </a:rPr>
@@ -3063,6 +2825,9 @@
             </a:r>
             <a:r>
               <a:rPr b="0" lang="en-US" sz="1800" spc="-1" strike="noStrike">
+                <a:solidFill>
+                  <a:srgbClr val="000000"/>
+                </a:solidFill>
                 <a:latin typeface="Arial"/>
                 <a:ea typeface="Noto Sans CJK SC Regular"/>
               </a:rPr>
@@ -3070,7 +2835,11 @@
             </a:r>
             <a:r>
               <a:rPr b="0" lang="en-US" sz="1800" spc="-1" strike="noStrike">
-                <a:latin typeface="Arial"/>
+                <a:solidFill>
+                  <a:srgbClr val="000000"/>
+                </a:solidFill>
+                <a:latin typeface="Arial"/>
+                <a:ea typeface="DejaVu Sans"/>
               </a:rPr>
               <a:t>NEGATE = array("aint", …, "despite");</a:t>
             </a:r>
@@ -3086,7 +2855,11 @@
             </a:pPr>
             <a:r>
               <a:rPr b="0" lang="en-US" sz="3200" spc="-1" strike="noStrike">
-                <a:latin typeface="Arial"/>
+                <a:solidFill>
+                  <a:srgbClr val="000000"/>
+                </a:solidFill>
+                <a:latin typeface="Arial"/>
+                <a:ea typeface="DejaVu Sans"/>
               </a:rPr>
               <a:t>- Anonymous function: supported since PHP 5.4</a:t>
             </a:r>
@@ -3102,13 +2875,21 @@
             </a:pPr>
             <a:r>
               <a:rPr b="0" lang="en-US" sz="3200" spc="-1" strike="noStrike">
-                <a:latin typeface="Arial"/>
+                <a:solidFill>
+                  <a:srgbClr val="000000"/>
+                </a:solidFill>
+                <a:latin typeface="Arial"/>
+                <a:ea typeface="DejaVu Sans"/>
               </a:rPr>
               <a:t>	</a:t>
             </a:r>
             <a:r>
               <a:rPr b="0" lang="en-US" sz="1800" spc="-1" strike="noStrike">
-                <a:latin typeface="Arial"/>
+                <a:solidFill>
+                  <a:srgbClr val="000000"/>
+                </a:solidFill>
+                <a:latin typeface="Arial"/>
+                <a:ea typeface="DejaVu Sans"/>
               </a:rPr>
               <a:t>e.g. $works_only = array_filter($words_only,function($word){ return strlen($word) &gt; 1; });</a:t>
             </a:r>
@@ -3124,7 +2905,11 @@
             </a:pPr>
             <a:r>
               <a:rPr b="0" lang="en-US" sz="1800" spc="-1" strike="noStrike">
-                <a:latin typeface="Arial"/>
+                <a:solidFill>
+                  <a:srgbClr val="000000"/>
+                </a:solidFill>
+                <a:latin typeface="Arial"/>
+                <a:ea typeface="DejaVu Sans"/>
               </a:rPr>
               <a:t>+         $works_only = array_filter($words_only,"anonymous");</a:t>
             </a:r>
@@ -3183,16 +2968,40 @@
           <a:chExt cx="0" cy="0"/>
         </a:xfrm>
       </p:grpSpPr>
-      <p:sp>
-        <p:nvSpPr>
-          <p:cNvPr id="55" name="CustomShape 1"/>
+      <p:pic>
+        <p:nvPicPr>
+          <p:cNvPr id="55" name="" descr=""/>
+          <p:cNvPicPr/>
+          <p:nvPr/>
+        </p:nvPicPr>
+        <p:blipFill>
+          <a:blip r:embed="rId1"/>
+          <a:srcRect l="0" t="0" r="12746" b="6989"/>
+          <a:stretch/>
+        </p:blipFill>
+        <p:spPr>
+          <a:xfrm>
+            <a:off x="1188720" y="868680"/>
+            <a:ext cx="7853760" cy="4709160"/>
+          </a:xfrm>
+          <a:prstGeom prst="rect">
+            <a:avLst/>
+          </a:prstGeom>
+          <a:ln>
+            <a:noFill/>
+          </a:ln>
+        </p:spPr>
+      </p:pic>
+      <p:sp>
+        <p:nvSpPr>
+          <p:cNvPr id="56" name="CustomShape 1"/>
           <p:cNvSpPr/>
           <p:nvPr/>
         </p:nvSpPr>
         <p:spPr>
           <a:xfrm>
-            <a:off x="138240" y="182880"/>
-            <a:ext cx="9645480" cy="946080"/>
+            <a:off x="504000" y="-61920"/>
+            <a:ext cx="9070920" cy="945720"/>
           </a:xfrm>
           <a:prstGeom prst="rect">
             <a:avLst/>
@@ -3218,56 +3027,15 @@
             </a:pPr>
             <a:r>
               <a:rPr b="0" lang="en-US" sz="4400" spc="-1" strike="noStrike">
-                <a:latin typeface="Arial"/>
-              </a:rPr>
-              <a:t>Retrieve diary</a:t>
+                <a:solidFill>
+                  <a:srgbClr val="000000"/>
+                </a:solidFill>
+                <a:latin typeface="Arial"/>
+                <a:ea typeface="DejaVu Sans"/>
+              </a:rPr>
+              <a:t>Pull request</a:t>
             </a:r>
             <a:endParaRPr b="0" lang="en-US" sz="4400" spc="-1" strike="noStrike">
-              <a:latin typeface="Arial"/>
-            </a:endParaRPr>
-          </a:p>
-        </p:txBody>
-      </p:sp>
-      <p:sp>
-        <p:nvSpPr>
-          <p:cNvPr id="56" name="CustomShape 2"/>
-          <p:cNvSpPr/>
-          <p:nvPr/>
-        </p:nvSpPr>
-        <p:spPr>
-          <a:xfrm>
-            <a:off x="504000" y="1326600"/>
-            <a:ext cx="8273880" cy="3287880"/>
-          </a:xfrm>
-          <a:prstGeom prst="rect">
-            <a:avLst/>
-          </a:prstGeom>
-          <a:noFill/>
-          <a:ln>
-            <a:noFill/>
-          </a:ln>
-        </p:spPr>
-        <p:style>
-          <a:lnRef idx="0"/>
-          <a:fillRef idx="0"/>
-          <a:effectRef idx="0"/>
-          <a:fontRef idx="minor"/>
-        </p:style>
-        <p:txBody>
-          <a:bodyPr lIns="0" rIns="0" tIns="0" bIns="0"/>
-          <a:p>
-            <a:pPr>
-              <a:lnSpc>
-                <a:spcPct val="100000"/>
-              </a:lnSpc>
-            </a:pPr>
-            <a:r>
-              <a:rPr b="0" lang="en-US" sz="3200" spc="-1" strike="noStrike">
-                <a:latin typeface="Arial"/>
-              </a:rPr>
-              <a:t>- Implemented a PHP script to retrieve meal, exercise, blood glucose data with the User ID.</a:t>
-            </a:r>
-            <a:endParaRPr b="0" lang="en-US" sz="3200" spc="-1" strike="noStrike">
               <a:latin typeface="Arial"/>
             </a:endParaRPr>
           </a:p>
@@ -3282,6 +3050,153 @@
           <p:childTnLst>
             <p:seq>
               <p:cTn id="8" dur="indefinite" nodeType="mainSeq"/>
+              <p:prevCondLst>
+                <p:cond delay="0" evt="onPrev">
+                  <p:tgtEl>
+                    <p:sldTgt/>
+                  </p:tgtEl>
+                </p:cond>
+              </p:prevCondLst>
+              <p:nextCondLst>
+                <p:cond delay="0" evt="onNext">
+                  <p:tgtEl>
+                    <p:sldTgt/>
+                  </p:tgtEl>
+                </p:cond>
+              </p:nextCondLst>
+            </p:seq>
+          </p:childTnLst>
+        </p:cTn>
+      </p:par>
+    </p:tnLst>
+  </p:timing>
+</p:sld>
+</file>
+
+<file path=ppt/slides/slide5.xml><?xml version="1.0" encoding="utf-8"?>
+<p:sld xmlns:a="http://schemas.openxmlformats.org/drawingml/2006/main" xmlns:p="http://schemas.openxmlformats.org/presentationml/2006/main" xmlns:r="http://schemas.openxmlformats.org/officeDocument/2006/relationships" xmlns:p14="http://schemas.microsoft.com/office/powerpoint/2010/main" xmlns:p15="http://schemas.microsoft.com/office/powerpoint/2012/main" xmlns:mc="http://schemas.openxmlformats.org/markup-compatibility/2006">
+  <p:cSld>
+    <p:spTree>
+      <p:nvGrpSpPr>
+        <p:cNvPr id="1" name=""/>
+        <p:cNvGrpSpPr/>
+        <p:nvPr/>
+      </p:nvGrpSpPr>
+      <p:grpSpPr>
+        <a:xfrm>
+          <a:off x="0" y="0"/>
+          <a:ext cx="0" cy="0"/>
+          <a:chOff x="0" y="0"/>
+          <a:chExt cx="0" cy="0"/>
+        </a:xfrm>
+      </p:grpSpPr>
+      <p:sp>
+        <p:nvSpPr>
+          <p:cNvPr id="57" name="CustomShape 1"/>
+          <p:cNvSpPr/>
+          <p:nvPr/>
+        </p:nvSpPr>
+        <p:spPr>
+          <a:xfrm>
+            <a:off x="138240" y="182880"/>
+            <a:ext cx="9645120" cy="945720"/>
+          </a:xfrm>
+          <a:prstGeom prst="rect">
+            <a:avLst/>
+          </a:prstGeom>
+          <a:noFill/>
+          <a:ln>
+            <a:noFill/>
+          </a:ln>
+        </p:spPr>
+        <p:style>
+          <a:lnRef idx="0"/>
+          <a:fillRef idx="0"/>
+          <a:effectRef idx="0"/>
+          <a:fontRef idx="minor"/>
+        </p:style>
+        <p:txBody>
+          <a:bodyPr lIns="0" rIns="0" tIns="0" bIns="0" anchor="ctr"/>
+          <a:p>
+            <a:pPr algn="ctr">
+              <a:lnSpc>
+                <a:spcPct val="100000"/>
+              </a:lnSpc>
+            </a:pPr>
+            <a:r>
+              <a:rPr b="0" lang="en-US" sz="4400" spc="-1" strike="noStrike">
+                <a:solidFill>
+                  <a:srgbClr val="000000"/>
+                </a:solidFill>
+                <a:latin typeface="Arial"/>
+                <a:ea typeface="DejaVu Sans"/>
+              </a:rPr>
+              <a:t>Retrieve diary</a:t>
+            </a:r>
+            <a:endParaRPr b="0" lang="en-US" sz="4400" spc="-1" strike="noStrike">
+              <a:latin typeface="Arial"/>
+            </a:endParaRPr>
+          </a:p>
+        </p:txBody>
+      </p:sp>
+      <p:sp>
+        <p:nvSpPr>
+          <p:cNvPr id="58" name="CustomShape 2"/>
+          <p:cNvSpPr/>
+          <p:nvPr/>
+        </p:nvSpPr>
+        <p:spPr>
+          <a:xfrm>
+            <a:off x="504000" y="1326600"/>
+            <a:ext cx="8273520" cy="3287520"/>
+          </a:xfrm>
+          <a:prstGeom prst="rect">
+            <a:avLst/>
+          </a:prstGeom>
+          <a:noFill/>
+          <a:ln>
+            <a:noFill/>
+          </a:ln>
+        </p:spPr>
+        <p:style>
+          <a:lnRef idx="0"/>
+          <a:fillRef idx="0"/>
+          <a:effectRef idx="0"/>
+          <a:fontRef idx="minor"/>
+        </p:style>
+        <p:txBody>
+          <a:bodyPr lIns="0" rIns="0" tIns="0" bIns="0"/>
+          <a:p>
+            <a:pPr>
+              <a:lnSpc>
+                <a:spcPct val="100000"/>
+              </a:lnSpc>
+            </a:pPr>
+            <a:r>
+              <a:rPr b="0" lang="en-US" sz="3200" spc="-1" strike="noStrike">
+                <a:solidFill>
+                  <a:srgbClr val="000000"/>
+                </a:solidFill>
+                <a:latin typeface="Arial"/>
+                <a:ea typeface="DejaVu Sans"/>
+              </a:rPr>
+              <a:t>- Implemented a PHP script to retrieve meal, exercise, blood glucose data with the User ID.</a:t>
+            </a:r>
+            <a:endParaRPr b="0" lang="en-US" sz="3200" spc="-1" strike="noStrike">
+              <a:latin typeface="Arial"/>
+            </a:endParaRPr>
+          </a:p>
+        </p:txBody>
+      </p:sp>
+    </p:spTree>
+  </p:cSld>
+  <p:timing>
+    <p:tnLst>
+      <p:par>
+        <p:cTn id="9" dur="indefinite" restart="never" nodeType="tmRoot">
+          <p:childTnLst>
+            <p:seq>
+              <p:cTn id="10" dur="indefinite" nodeType="mainSeq"/>
               <p:prevCondLst>
                 <p:cond delay="0" evt="onPrev">
                   <p:tgtEl>
